--- a/1- Presentacion de Python/Presentacion Python.pptx
+++ b/1- Presentacion de Python/Presentacion Python.pptx
@@ -4696,7 +4696,7 @@
             </a:r>
             <a:r>
               <a:rPr lang="es-ES" sz="3200" dirty="0"/>
-              <a:t> de aplicaciones web gratuito y open </a:t>
+              <a:t> para aplicaciones web open </a:t>
             </a:r>
             <a:r>
               <a:rPr lang="es-ES" sz="3200" dirty="0" err="1"/>
@@ -4704,22 +4704,14 @@
             </a:r>
             <a:r>
               <a:rPr lang="es-ES" sz="3200" dirty="0"/>
-              <a:t> escrito en Python.</a:t>
+              <a:t> para Python.</a:t>
             </a:r>
           </a:p>
           <a:p>
             <a:pPr algn="just"/>
             <a:r>
               <a:rPr lang="es-ES" sz="3200" dirty="0"/>
-              <a:t>Además de estos </a:t>
-            </a:r>
-            <a:r>
-              <a:rPr lang="es-ES" sz="3200" dirty="0" err="1"/>
-              <a:t>framework</a:t>
-            </a:r>
-            <a:r>
-              <a:rPr lang="es-ES" sz="3200" dirty="0"/>
-              <a:t> podemos destacar la importancia para crear </a:t>
+              <a:t>Además, la importancia para crear </a:t>
             </a:r>
             <a:r>
               <a:rPr lang="es-ES" sz="3200" dirty="0">
@@ -4732,14 +4724,6 @@
                 <a:hlinkClick r:id="rId4"/>
               </a:rPr>
               <a:t>Restful</a:t>
-            </a:r>
-            <a:r>
-              <a:rPr lang="es-ES" sz="3200" dirty="0"/>
-              <a:t> o </a:t>
-            </a:r>
-            <a:r>
-              <a:rPr lang="es-ES" sz="3200" dirty="0" err="1"/>
-              <a:t>graphql</a:t>
             </a:r>
             <a:r>
               <a:rPr lang="es-ES" sz="3200" dirty="0"/>
